--- a/reference_material/slides/016_Sampling_Estimation.pptx
+++ b/reference_material/slides/016_Sampling_Estimation.pptx
@@ -5,12 +5,17 @@
     <p:sldMasterId id="2147483660" r:id="rId1"/>
   </p:sldMasterIdLst>
   <p:sldIdLst>
-    <p:sldId id="256" r:id="rId2"/>
-    <p:sldId id="257" r:id="rId3"/>
-    <p:sldId id="258" r:id="rId4"/>
-    <p:sldId id="259" r:id="rId5"/>
-    <p:sldId id="260" r:id="rId6"/>
-    <p:sldId id="261" r:id="rId7"/>
+    <p:sldId id="266" r:id="rId2"/>
+    <p:sldId id="256" r:id="rId3"/>
+    <p:sldId id="257" r:id="rId4"/>
+    <p:sldId id="265" r:id="rId5"/>
+    <p:sldId id="264" r:id="rId6"/>
+    <p:sldId id="258" r:id="rId7"/>
+    <p:sldId id="259" r:id="rId8"/>
+    <p:sldId id="260" r:id="rId9"/>
+    <p:sldId id="261" r:id="rId10"/>
+    <p:sldId id="262" r:id="rId11"/>
+    <p:sldId id="263" r:id="rId12"/>
   </p:sldIdLst>
   <p:sldSz cx="12192000" cy="6858000"/>
   <p:notesSz cx="6858000" cy="9144000"/>
@@ -109,6 +114,11 @@
       </a:defRPr>
     </a:lvl9pPr>
   </p:defaultTextStyle>
+  <p:extLst>
+    <p:ext uri="{EFAFB233-063F-42B5-8137-9DF3F51BA10A}">
+      <p15:sldGuideLst xmlns:p15="http://schemas.microsoft.com/office/powerpoint/2012/main"/>
+    </p:ext>
+  </p:extLst>
 </p:presentation>
 </file>
 
@@ -251,7 +261,7 @@
           <a:p>
             <a:fld id="{DD771BF5-A32E-1A45-9C2B-1802D67C77D5}" type="datetimeFigureOut">
               <a:rPr lang="en-US" smtClean="0"/>
-              <a:t>6/1/22</a:t>
+              <a:t>10/20/22</a:t>
             </a:fld>
             <a:endParaRPr lang="en-US"/>
           </a:p>
@@ -462,7 +472,7 @@
           <a:p>
             <a:fld id="{DD771BF5-A32E-1A45-9C2B-1802D67C77D5}" type="datetimeFigureOut">
               <a:rPr lang="en-US" smtClean="0"/>
-              <a:t>6/1/22</a:t>
+              <a:t>10/20/22</a:t>
             </a:fld>
             <a:endParaRPr lang="en-US"/>
           </a:p>
@@ -677,7 +687,7 @@
           <a:p>
             <a:fld id="{DD771BF5-A32E-1A45-9C2B-1802D67C77D5}" type="datetimeFigureOut">
               <a:rPr lang="en-US" smtClean="0"/>
-              <a:t>6/1/22</a:t>
+              <a:t>10/20/22</a:t>
             </a:fld>
             <a:endParaRPr lang="en-US"/>
           </a:p>
@@ -878,7 +888,7 @@
           <a:p>
             <a:fld id="{DD771BF5-A32E-1A45-9C2B-1802D67C77D5}" type="datetimeFigureOut">
               <a:rPr lang="en-US" smtClean="0"/>
-              <a:t>6/1/22</a:t>
+              <a:t>10/20/22</a:t>
             </a:fld>
             <a:endParaRPr lang="en-US"/>
           </a:p>
@@ -1157,7 +1167,7 @@
           <a:p>
             <a:fld id="{DD771BF5-A32E-1A45-9C2B-1802D67C77D5}" type="datetimeFigureOut">
               <a:rPr lang="en-US" smtClean="0"/>
-              <a:t>6/1/22</a:t>
+              <a:t>10/20/22</a:t>
             </a:fld>
             <a:endParaRPr lang="en-US"/>
           </a:p>
@@ -1425,7 +1435,7 @@
           <a:p>
             <a:fld id="{DD771BF5-A32E-1A45-9C2B-1802D67C77D5}" type="datetimeFigureOut">
               <a:rPr lang="en-US" smtClean="0"/>
-              <a:t>6/1/22</a:t>
+              <a:t>10/20/22</a:t>
             </a:fld>
             <a:endParaRPr lang="en-US"/>
           </a:p>
@@ -1841,7 +1851,7 @@
           <a:p>
             <a:fld id="{DD771BF5-A32E-1A45-9C2B-1802D67C77D5}" type="datetimeFigureOut">
               <a:rPr lang="en-US" smtClean="0"/>
-              <a:t>6/1/22</a:t>
+              <a:t>10/20/22</a:t>
             </a:fld>
             <a:endParaRPr lang="en-US"/>
           </a:p>
@@ -1990,7 +2000,7 @@
           <a:p>
             <a:fld id="{DD771BF5-A32E-1A45-9C2B-1802D67C77D5}" type="datetimeFigureOut">
               <a:rPr lang="en-US" smtClean="0"/>
-              <a:t>6/1/22</a:t>
+              <a:t>10/20/22</a:t>
             </a:fld>
             <a:endParaRPr lang="en-US"/>
           </a:p>
@@ -2116,7 +2126,7 @@
           <a:p>
             <a:fld id="{DD771BF5-A32E-1A45-9C2B-1802D67C77D5}" type="datetimeFigureOut">
               <a:rPr lang="en-US" smtClean="0"/>
-              <a:t>6/1/22</a:t>
+              <a:t>10/20/22</a:t>
             </a:fld>
             <a:endParaRPr lang="en-US"/>
           </a:p>
@@ -2367,7 +2377,7 @@
           <a:p>
             <a:fld id="{DD771BF5-A32E-1A45-9C2B-1802D67C77D5}" type="datetimeFigureOut">
               <a:rPr lang="en-US" smtClean="0"/>
-              <a:t>6/1/22</a:t>
+              <a:t>10/20/22</a:t>
             </a:fld>
             <a:endParaRPr lang="en-US"/>
           </a:p>
@@ -2812,7 +2822,7 @@
           <a:p>
             <a:fld id="{DD771BF5-A32E-1A45-9C2B-1802D67C77D5}" type="datetimeFigureOut">
               <a:rPr lang="en-US" smtClean="0"/>
-              <a:t>6/1/22</a:t>
+              <a:t>10/20/22</a:t>
             </a:fld>
             <a:endParaRPr lang="en-US"/>
           </a:p>
@@ -3139,7 +3149,7 @@
           <a:p>
             <a:fld id="{DD771BF5-A32E-1A45-9C2B-1802D67C77D5}" type="datetimeFigureOut">
               <a:rPr lang="en-US" smtClean="0"/>
-              <a:t>6/1/22</a:t>
+              <a:t>10/20/22</a:t>
             </a:fld>
             <a:endParaRPr lang="en-US"/>
           </a:p>
@@ -3630,7 +3640,7 @@
           <p:cNvPr id="2" name="Title 1">
             <a:extLst>
               <a:ext uri="{FF2B5EF4-FFF2-40B4-BE49-F238E27FC236}">
-                <a16:creationId xmlns:a16="http://schemas.microsoft.com/office/drawing/2014/main" id="{E96098EB-A250-A874-A3B8-BC5C20DA40EA}"/>
+                <a16:creationId xmlns:a16="http://schemas.microsoft.com/office/drawing/2014/main" id="{90815388-214D-1823-95C6-B755F8E12B31}"/>
               </a:ext>
             </a:extLst>
           </p:cNvPr>
@@ -3638,7 +3648,7 @@
             <a:spLocks noGrp="1"/>
           </p:cNvSpPr>
           <p:nvPr>
-            <p:ph type="ctrTitle"/>
+            <p:ph type="title"/>
           </p:nvPr>
         </p:nvSpPr>
         <p:spPr/>
@@ -3648,17 +3658,17 @@
           <a:p>
             <a:r>
               <a:rPr lang="en-US" dirty="0"/>
-              <a:t>Sampling and Estimation</a:t>
-            </a:r>
-          </a:p>
-        </p:txBody>
-      </p:sp>
-      <p:sp>
-        <p:nvSpPr>
-          <p:cNvPr id="3" name="Subtitle 2">
+              <a:t>Housekeeping</a:t>
+            </a:r>
+          </a:p>
+        </p:txBody>
+      </p:sp>
+      <p:sp>
+        <p:nvSpPr>
+          <p:cNvPr id="3" name="Content Placeholder 2">
             <a:extLst>
               <a:ext uri="{FF2B5EF4-FFF2-40B4-BE49-F238E27FC236}">
-                <a16:creationId xmlns:a16="http://schemas.microsoft.com/office/drawing/2014/main" id="{4C9C422E-46E4-BD06-A346-ECE3FC96640D}"/>
+                <a16:creationId xmlns:a16="http://schemas.microsoft.com/office/drawing/2014/main" id="{D5780454-DD05-6B13-FD2D-0DA7C85BCAF3}"/>
               </a:ext>
             </a:extLst>
           </p:cNvPr>
@@ -3666,7 +3676,7 @@
             <a:spLocks noGrp="1"/>
           </p:cNvSpPr>
           <p:nvPr>
-            <p:ph type="subTitle" idx="1"/>
+            <p:ph idx="1"/>
           </p:nvPr>
         </p:nvSpPr>
         <p:spPr/>
@@ -3674,14 +3684,215 @@
           <a:bodyPr/>
           <a:lstStyle/>
           <a:p>
-            <a:endParaRPr lang="en-US"/>
+            <a:r>
+              <a:rPr lang="en-US" dirty="0"/>
+              <a:t>Today:</a:t>
+            </a:r>
+          </a:p>
+          <a:p>
+            <a:pPr lvl="1"/>
+            <a:r>
+              <a:rPr lang="en-US" dirty="0"/>
+              <a:t>Notebook (012A) – I reordered a few things, so the numbers are different. </a:t>
+            </a:r>
+          </a:p>
+          <a:p>
+            <a:pPr lvl="1"/>
+            <a:r>
+              <a:rPr lang="en-US" dirty="0"/>
+              <a:t>Estimating populations from samples. </a:t>
+            </a:r>
+          </a:p>
+          <a:p>
+            <a:pPr lvl="1"/>
+            <a:r>
+              <a:rPr lang="en-US" dirty="0"/>
+              <a:t>Intro to inferential statistics. </a:t>
+            </a:r>
+          </a:p>
+          <a:p>
+            <a:pPr lvl="1"/>
+            <a:r>
+              <a:rPr lang="en-US" dirty="0"/>
+              <a:t>Types of errors from samples. </a:t>
+            </a:r>
           </a:p>
         </p:txBody>
       </p:sp>
     </p:spTree>
     <p:extLst>
       <p:ext uri="{BB962C8B-B14F-4D97-AF65-F5344CB8AC3E}">
-        <p14:creationId xmlns:p14="http://schemas.microsoft.com/office/powerpoint/2010/main" val="3617321956"/>
+        <p14:creationId xmlns:p14="http://schemas.microsoft.com/office/powerpoint/2010/main" val="1184903680"/>
+      </p:ext>
+    </p:extLst>
+  </p:cSld>
+  <p:clrMapOvr>
+    <a:masterClrMapping/>
+  </p:clrMapOvr>
+</p:sld>
+</file>
+
+<file path=ppt/slides/slide10.xml><?xml version="1.0" encoding="utf-8"?>
+<p:sld xmlns:a="http://schemas.openxmlformats.org/drawingml/2006/main" xmlns:r="http://schemas.openxmlformats.org/officeDocument/2006/relationships" xmlns:p="http://schemas.openxmlformats.org/presentationml/2006/main">
+  <p:cSld>
+    <p:spTree>
+      <p:nvGrpSpPr>
+        <p:cNvPr id="1" name=""/>
+        <p:cNvGrpSpPr/>
+        <p:nvPr/>
+      </p:nvGrpSpPr>
+      <p:grpSpPr>
+        <a:xfrm>
+          <a:off x="0" y="0"/>
+          <a:ext cx="0" cy="0"/>
+          <a:chOff x="0" y="0"/>
+          <a:chExt cx="0" cy="0"/>
+        </a:xfrm>
+      </p:grpSpPr>
+      <p:pic>
+        <p:nvPicPr>
+          <p:cNvPr id="5" name="Picture 4">
+            <a:extLst>
+              <a:ext uri="{FF2B5EF4-FFF2-40B4-BE49-F238E27FC236}">
+                <a16:creationId xmlns:a16="http://schemas.microsoft.com/office/drawing/2014/main" id="{D790E28E-4ACC-B3A2-5DAE-9F5DEDC69623}"/>
+              </a:ext>
+            </a:extLst>
+          </p:cNvPr>
+          <p:cNvPicPr>
+            <a:picLocks noChangeAspect="1"/>
+          </p:cNvPicPr>
+          <p:nvPr/>
+        </p:nvPicPr>
+        <p:blipFill>
+          <a:blip r:embed="rId2"/>
+          <a:stretch>
+            <a:fillRect/>
+          </a:stretch>
+        </p:blipFill>
+        <p:spPr>
+          <a:xfrm>
+            <a:off x="25519" y="642938"/>
+            <a:ext cx="12140960" cy="5715000"/>
+          </a:xfrm>
+          <a:prstGeom prst="rect">
+            <a:avLst/>
+          </a:prstGeom>
+        </p:spPr>
+      </p:pic>
+    </p:spTree>
+    <p:extLst>
+      <p:ext uri="{BB962C8B-B14F-4D97-AF65-F5344CB8AC3E}">
+        <p14:creationId xmlns:p14="http://schemas.microsoft.com/office/powerpoint/2010/main" val="3348743203"/>
+      </p:ext>
+    </p:extLst>
+  </p:cSld>
+  <p:clrMapOvr>
+    <a:masterClrMapping/>
+  </p:clrMapOvr>
+</p:sld>
+</file>
+
+<file path=ppt/slides/slide11.xml><?xml version="1.0" encoding="utf-8"?>
+<p:sld xmlns:a="http://schemas.openxmlformats.org/drawingml/2006/main" xmlns:r="http://schemas.openxmlformats.org/officeDocument/2006/relationships" xmlns:p="http://schemas.openxmlformats.org/presentationml/2006/main">
+  <p:cSld>
+    <p:spTree>
+      <p:nvGrpSpPr>
+        <p:cNvPr id="1" name=""/>
+        <p:cNvGrpSpPr/>
+        <p:nvPr/>
+      </p:nvGrpSpPr>
+      <p:grpSpPr>
+        <a:xfrm>
+          <a:off x="0" y="0"/>
+          <a:ext cx="0" cy="0"/>
+          <a:chOff x="0" y="0"/>
+          <a:chExt cx="0" cy="0"/>
+        </a:xfrm>
+      </p:grpSpPr>
+      <p:sp>
+        <p:nvSpPr>
+          <p:cNvPr id="2" name="Title 1">
+            <a:extLst>
+              <a:ext uri="{FF2B5EF4-FFF2-40B4-BE49-F238E27FC236}">
+                <a16:creationId xmlns:a16="http://schemas.microsoft.com/office/drawing/2014/main" id="{A18C96DC-7E2A-0EDD-B5D5-63CD8E209D43}"/>
+              </a:ext>
+            </a:extLst>
+          </p:cNvPr>
+          <p:cNvSpPr>
+            <a:spLocks noGrp="1"/>
+          </p:cNvSpPr>
+          <p:nvPr>
+            <p:ph type="title"/>
+          </p:nvPr>
+        </p:nvSpPr>
+        <p:spPr/>
+        <p:txBody>
+          <a:bodyPr/>
+          <a:lstStyle/>
+          <a:p>
+            <a:r>
+              <a:rPr lang="en-US" dirty="0"/>
+              <a:t>Estimation</a:t>
+            </a:r>
+          </a:p>
+        </p:txBody>
+      </p:sp>
+      <p:sp>
+        <p:nvSpPr>
+          <p:cNvPr id="3" name="Content Placeholder 2">
+            <a:extLst>
+              <a:ext uri="{FF2B5EF4-FFF2-40B4-BE49-F238E27FC236}">
+                <a16:creationId xmlns:a16="http://schemas.microsoft.com/office/drawing/2014/main" id="{7A2C27DC-E89B-10F0-DE2B-A1D8BB33E878}"/>
+              </a:ext>
+            </a:extLst>
+          </p:cNvPr>
+          <p:cNvSpPr>
+            <a:spLocks noGrp="1"/>
+          </p:cNvSpPr>
+          <p:nvPr>
+            <p:ph idx="1"/>
+          </p:nvPr>
+        </p:nvSpPr>
+        <p:spPr>
+          <a:xfrm>
+            <a:off x="1451579" y="2015732"/>
+            <a:ext cx="9729039" cy="3450613"/>
+          </a:xfrm>
+        </p:spPr>
+        <p:txBody>
+          <a:bodyPr/>
+          <a:lstStyle/>
+          <a:p>
+            <a:r>
+              <a:rPr lang="en-US" dirty="0"/>
+              <a:t>We can do this type of estimation anytime we are generalizing from sample to population. </a:t>
+            </a:r>
+          </a:p>
+          <a:p>
+            <a:r>
+              <a:rPr lang="en-US" dirty="0"/>
+              <a:t>The details of what estimators are used, and the analytical distributions differs, the process is generally the same. </a:t>
+            </a:r>
+          </a:p>
+          <a:p>
+            <a:pPr lvl="1"/>
+            <a:r>
+              <a:rPr lang="en-US" dirty="0"/>
+              <a:t>We’ll look at estimation from discreet distributions, like we’d see in election polling, a bit later on. </a:t>
+            </a:r>
+          </a:p>
+          <a:p>
+            <a:r>
+              <a:rPr lang="en-US" dirty="0"/>
+              <a:t>We end up with both an estimate of the population, and the bounds of how accurate we expect that answer to be!</a:t>
+            </a:r>
+          </a:p>
+        </p:txBody>
+      </p:sp>
+    </p:spTree>
+    <p:extLst>
+      <p:ext uri="{BB962C8B-B14F-4D97-AF65-F5344CB8AC3E}">
+        <p14:creationId xmlns:p14="http://schemas.microsoft.com/office/powerpoint/2010/main" val="2441500319"/>
       </p:ext>
     </p:extLst>
   </p:cSld>
@@ -3713,7 +3924,7 @@
           <p:cNvPr id="2" name="Title 1">
             <a:extLst>
               <a:ext uri="{FF2B5EF4-FFF2-40B4-BE49-F238E27FC236}">
-                <a16:creationId xmlns:a16="http://schemas.microsoft.com/office/drawing/2014/main" id="{975F99F5-5D45-A4E8-7071-A6F679513A66}"/>
+                <a16:creationId xmlns:a16="http://schemas.microsoft.com/office/drawing/2014/main" id="{E96098EB-A250-A874-A3B8-BC5C20DA40EA}"/>
               </a:ext>
             </a:extLst>
           </p:cNvPr>
@@ -3721,7 +3932,7 @@
             <a:spLocks noGrp="1"/>
           </p:cNvSpPr>
           <p:nvPr>
-            <p:ph type="title"/>
+            <p:ph type="ctrTitle"/>
           </p:nvPr>
         </p:nvSpPr>
         <p:spPr/>
@@ -3731,17 +3942,17 @@
           <a:p>
             <a:r>
               <a:rPr lang="en-US" dirty="0"/>
-              <a:t>Population and Samples</a:t>
-            </a:r>
-          </a:p>
-        </p:txBody>
-      </p:sp>
-      <p:sp>
-        <p:nvSpPr>
-          <p:cNvPr id="3" name="Content Placeholder 2">
+              <a:t>Sampling and Estimation</a:t>
+            </a:r>
+          </a:p>
+        </p:txBody>
+      </p:sp>
+      <p:sp>
+        <p:nvSpPr>
+          <p:cNvPr id="3" name="Subtitle 2">
             <a:extLst>
               <a:ext uri="{FF2B5EF4-FFF2-40B4-BE49-F238E27FC236}">
-                <a16:creationId xmlns:a16="http://schemas.microsoft.com/office/drawing/2014/main" id="{656471A5-775B-DD25-737A-64390A30390B}"/>
+                <a16:creationId xmlns:a16="http://schemas.microsoft.com/office/drawing/2014/main" id="{4C9C422E-46E4-BD06-A346-ECE3FC96640D}"/>
               </a:ext>
             </a:extLst>
           </p:cNvPr>
@@ -3749,7 +3960,7 @@
             <a:spLocks noGrp="1"/>
           </p:cNvSpPr>
           <p:nvPr>
-            <p:ph idx="1"/>
+            <p:ph type="subTitle" idx="1"/>
           </p:nvPr>
         </p:nvSpPr>
         <p:spPr/>
@@ -3757,35 +3968,14 @@
           <a:bodyPr/>
           <a:lstStyle/>
           <a:p>
-            <a:r>
-              <a:rPr lang="en-US" dirty="0"/>
-              <a:t>Recall:</a:t>
-            </a:r>
-          </a:p>
-          <a:p>
-            <a:pPr lvl="1"/>
-            <a:r>
-              <a:rPr lang="en-US" dirty="0"/>
-              <a:t>Population – the entirety of whatever we are examining. </a:t>
-            </a:r>
-          </a:p>
-          <a:p>
-            <a:pPr lvl="1"/>
-            <a:r>
-              <a:rPr lang="en-US" dirty="0"/>
-              <a:t>Sample – some subset that we pull from the population for analysis. </a:t>
-            </a:r>
-          </a:p>
-          <a:p>
-            <a:pPr lvl="1"/>
-            <a:endParaRPr lang="en-US" dirty="0"/>
+            <a:endParaRPr lang="en-US"/>
           </a:p>
         </p:txBody>
       </p:sp>
     </p:spTree>
     <p:extLst>
       <p:ext uri="{BB962C8B-B14F-4D97-AF65-F5344CB8AC3E}">
-        <p14:creationId xmlns:p14="http://schemas.microsoft.com/office/powerpoint/2010/main" val="2180470633"/>
+        <p14:creationId xmlns:p14="http://schemas.microsoft.com/office/powerpoint/2010/main" val="3617321956"/>
       </p:ext>
     </p:extLst>
   </p:cSld>
@@ -3817,7 +4007,7 @@
           <p:cNvPr id="2" name="Title 1">
             <a:extLst>
               <a:ext uri="{FF2B5EF4-FFF2-40B4-BE49-F238E27FC236}">
-                <a16:creationId xmlns:a16="http://schemas.microsoft.com/office/drawing/2014/main" id="{5A95FECA-0DE7-E666-AB37-57E9018B6DFC}"/>
+                <a16:creationId xmlns:a16="http://schemas.microsoft.com/office/drawing/2014/main" id="{975F99F5-5D45-A4E8-7071-A6F679513A66}"/>
               </a:ext>
             </a:extLst>
           </p:cNvPr>
@@ -3835,7 +4025,7 @@
           <a:p>
             <a:r>
               <a:rPr lang="en-US" dirty="0"/>
-              <a:t>Estimation</a:t>
+              <a:t>Population and Samples</a:t>
             </a:r>
           </a:p>
         </p:txBody>
@@ -3845,7 +4035,7 @@
           <p:cNvPr id="3" name="Content Placeholder 2">
             <a:extLst>
               <a:ext uri="{FF2B5EF4-FFF2-40B4-BE49-F238E27FC236}">
-                <a16:creationId xmlns:a16="http://schemas.microsoft.com/office/drawing/2014/main" id="{B215A6CA-60D9-2612-A200-6FAA0E9D7B6C}"/>
+                <a16:creationId xmlns:a16="http://schemas.microsoft.com/office/drawing/2014/main" id="{656471A5-775B-DD25-737A-64390A30390B}"/>
               </a:ext>
             </a:extLst>
           </p:cNvPr>
@@ -3859,7 +4049,7 @@
         <p:spPr>
           <a:xfrm>
             <a:off x="1451579" y="2015732"/>
-            <a:ext cx="9603275" cy="4037749"/>
+            <a:ext cx="9603275" cy="4149541"/>
           </a:xfrm>
         </p:spPr>
         <p:txBody>
@@ -3870,52 +4060,53 @@
           <a:p>
             <a:r>
               <a:rPr lang="en-US" dirty="0"/>
-              <a:t>We can use a sample to draw inferences about the population as a whole:</a:t>
+              <a:t>Recall:</a:t>
             </a:r>
           </a:p>
           <a:p>
             <a:pPr lvl="1"/>
             <a:r>
               <a:rPr lang="en-US" dirty="0"/>
-              <a:t>This is what statisticians do with a census. </a:t>
+              <a:t>Population – the entirety of whatever we are examining. </a:t>
             </a:r>
           </a:p>
           <a:p>
             <a:pPr lvl="1"/>
             <a:r>
               <a:rPr lang="en-US" dirty="0"/>
-              <a:t>This is called inferential statistics – using stats to predict. ML grows from this. </a:t>
+              <a:t>Sample – some subset that we pull from the population for analysis. </a:t>
+            </a:r>
+          </a:p>
+          <a:p>
+            <a:r>
+              <a:rPr lang="en-US" dirty="0"/>
+              <a:t>We can’t generally get a population wide dataset. </a:t>
             </a:r>
           </a:p>
           <a:p>
             <a:pPr lvl="1"/>
-            <a:endParaRPr lang="en-US" dirty="0"/>
-          </a:p>
-          <a:p>
-            <a:r>
-              <a:rPr lang="en-US" dirty="0"/>
-              <a:t>The process is:</a:t>
+            <a:r>
+              <a:rPr lang="en-US" dirty="0"/>
+              <a:t>If the average height of our sample is 5’10”, we can’t just say that’s true for the population. </a:t>
+            </a:r>
+          </a:p>
+          <a:p>
+            <a:r>
+              <a:rPr lang="en-US" dirty="0"/>
+              <a:t>Our sample should mirror our population, but there is always some difference. </a:t>
             </a:r>
           </a:p>
           <a:p>
             <a:pPr lvl="1"/>
             <a:r>
               <a:rPr lang="en-US" dirty="0"/>
-              <a:t>Match our sample to an analytical distribution. </a:t>
-            </a:r>
-          </a:p>
-          <a:p>
-            <a:pPr lvl="1"/>
-            <a:r>
-              <a:rPr lang="en-US" dirty="0"/>
-              <a:t>Generate random values that fit that distribution. </a:t>
-            </a:r>
-          </a:p>
-          <a:p>
-            <a:pPr lvl="1"/>
-            <a:r>
-              <a:rPr lang="en-US" dirty="0"/>
-              <a:t>Use the aggregates of those trails along with error measures to draw inferences about the population. </a:t>
+              <a:t>This introduces some error – the sampling error. </a:t>
+            </a:r>
+          </a:p>
+          <a:p>
+            <a:r>
+              <a:rPr lang="en-US" b="1" dirty="0"/>
+              <a:t>Here, we will use our sample to make estimates of the population. </a:t>
             </a:r>
           </a:p>
         </p:txBody>
@@ -3923,7 +4114,7 @@
     </p:spTree>
     <p:extLst>
       <p:ext uri="{BB962C8B-B14F-4D97-AF65-F5344CB8AC3E}">
-        <p14:creationId xmlns:p14="http://schemas.microsoft.com/office/powerpoint/2010/main" val="896942143"/>
+        <p14:creationId xmlns:p14="http://schemas.microsoft.com/office/powerpoint/2010/main" val="2180470633"/>
       </p:ext>
     </p:extLst>
   </p:cSld>
@@ -3936,6 +4127,30 @@
 <file path=ppt/slides/slide4.xml><?xml version="1.0" encoding="utf-8"?>
 <p:sld xmlns:a="http://schemas.openxmlformats.org/drawingml/2006/main" xmlns:r="http://schemas.openxmlformats.org/officeDocument/2006/relationships" xmlns:p="http://schemas.openxmlformats.org/presentationml/2006/main">
   <p:cSld>
+    <p:bg>
+      <p:bgPr>
+        <a:gradFill rotWithShape="1">
+          <a:gsLst>
+            <a:gs pos="0">
+              <a:schemeClr val="bg2">
+                <a:tint val="94000"/>
+                <a:satMod val="80000"/>
+                <a:lumMod val="106000"/>
+              </a:schemeClr>
+            </a:gs>
+            <a:gs pos="100000">
+              <a:schemeClr val="bg2">
+                <a:shade val="80000"/>
+              </a:schemeClr>
+            </a:gs>
+          </a:gsLst>
+          <a:path path="circle">
+            <a:fillToRect l="43000" r="43000" b="100000"/>
+          </a:path>
+        </a:gradFill>
+        <a:effectLst/>
+      </p:bgPr>
+    </p:bg>
     <p:spTree>
       <p:nvGrpSpPr>
         <p:cNvPr id="1" name=""/>
@@ -3950,12 +4165,120 @@
           <a:chExt cx="0" cy="0"/>
         </a:xfrm>
       </p:grpSpPr>
+      <p:sp useBgFill="1">
+        <p:nvSpPr>
+          <p:cNvPr id="1031" name="Rectangle 1030">
+            <a:extLst>
+              <a:ext uri="{FF2B5EF4-FFF2-40B4-BE49-F238E27FC236}">
+                <a16:creationId xmlns:a16="http://schemas.microsoft.com/office/drawing/2014/main" id="{35C3D674-3D59-4E93-80CA-0C0A9095E816}"/>
+              </a:ext>
+              <a:ext uri="{C183D7F6-B498-43B3-948B-1728B52AA6E4}">
+                <adec:decorative xmlns:adec="http://schemas.microsoft.com/office/drawing/2017/decorative" val="1"/>
+              </a:ext>
+            </a:extLst>
+          </p:cNvPr>
+          <p:cNvSpPr>
+            <a:spLocks noGrp="1" noRot="1" noChangeAspect="1" noMove="1" noResize="1" noEditPoints="1" noAdjustHandles="1" noChangeArrowheads="1" noChangeShapeType="1" noTextEdit="1"/>
+          </p:cNvSpPr>
+          <p:nvPr>
+            <p:extLst>
+              <p:ext uri="{386F3935-93C4-4BCD-93E2-E3B085C9AB24}">
+                <p16:designElem xmlns:p16="http://schemas.microsoft.com/office/powerpoint/2015/main" val="1"/>
+              </p:ext>
+            </p:extLst>
+          </p:nvPr>
+        </p:nvSpPr>
+        <p:spPr>
+          <a:xfrm>
+            <a:off x="2" y="0"/>
+            <a:ext cx="12191695" cy="6858000"/>
+          </a:xfrm>
+          <a:prstGeom prst="rect">
+            <a:avLst/>
+          </a:prstGeom>
+          <a:ln>
+            <a:noFill/>
+          </a:ln>
+        </p:spPr>
+        <p:style>
+          <a:lnRef idx="2">
+            <a:schemeClr val="accent1">
+              <a:shade val="50000"/>
+            </a:schemeClr>
+          </a:lnRef>
+          <a:fillRef idx="1">
+            <a:schemeClr val="accent1"/>
+          </a:fillRef>
+          <a:effectRef idx="0">
+            <a:schemeClr val="accent1"/>
+          </a:effectRef>
+          <a:fontRef idx="minor">
+            <a:schemeClr val="lt1"/>
+          </a:fontRef>
+        </p:style>
+        <p:txBody>
+          <a:bodyPr rtlCol="0" anchor="ctr"/>
+          <a:lstStyle/>
+          <a:p>
+            <a:pPr algn="ctr"/>
+            <a:endParaRPr lang="en-US"/>
+          </a:p>
+        </p:txBody>
+      </p:sp>
+      <p:cxnSp>
+        <p:nvCxnSpPr>
+          <p:cNvPr id="1033" name="Straight Connector 1032">
+            <a:extLst>
+              <a:ext uri="{FF2B5EF4-FFF2-40B4-BE49-F238E27FC236}">
+                <a16:creationId xmlns:a16="http://schemas.microsoft.com/office/drawing/2014/main" id="{C884B8F8-FDC9-498B-9960-5D7260AFCB03}"/>
+              </a:ext>
+              <a:ext uri="{C183D7F6-B498-43B3-948B-1728B52AA6E4}">
+                <adec:decorative xmlns:adec="http://schemas.microsoft.com/office/drawing/2017/decorative" val="1"/>
+              </a:ext>
+            </a:extLst>
+          </p:cNvPr>
+          <p:cNvCxnSpPr>
+            <a:cxnSpLocks noGrp="1" noRot="1" noChangeAspect="1" noMove="1" noResize="1" noEditPoints="1" noAdjustHandles="1" noChangeArrowheads="1" noChangeShapeType="1"/>
+          </p:cNvCxnSpPr>
+          <p:nvPr>
+            <p:extLst>
+              <p:ext uri="{386F3935-93C4-4BCD-93E2-E3B085C9AB24}">
+                <p16:designElem xmlns:p16="http://schemas.microsoft.com/office/powerpoint/2015/main" val="1"/>
+              </p:ext>
+            </p:extLst>
+          </p:nvPr>
+        </p:nvCxnSpPr>
+        <p:spPr>
+          <a:xfrm>
+            <a:off x="1453896" y="1847088"/>
+            <a:ext cx="4177373" cy="0"/>
+          </a:xfrm>
+          <a:prstGeom prst="line">
+            <a:avLst/>
+          </a:prstGeom>
+          <a:ln w="31750"/>
+        </p:spPr>
+        <p:style>
+          <a:lnRef idx="3">
+            <a:schemeClr val="accent1"/>
+          </a:lnRef>
+          <a:fillRef idx="0">
+            <a:schemeClr val="accent1"/>
+          </a:fillRef>
+          <a:effectRef idx="2">
+            <a:schemeClr val="accent1"/>
+          </a:effectRef>
+          <a:fontRef idx="minor">
+            <a:schemeClr val="tx1"/>
+          </a:fontRef>
+        </p:style>
+      </p:cxnSp>
       <p:sp>
         <p:nvSpPr>
           <p:cNvPr id="2" name="Title 1">
             <a:extLst>
               <a:ext uri="{FF2B5EF4-FFF2-40B4-BE49-F238E27FC236}">
-                <a16:creationId xmlns:a16="http://schemas.microsoft.com/office/drawing/2014/main" id="{500CB30F-8FC5-BA2F-DDAE-26A52B671961}"/>
+                <a16:creationId xmlns:a16="http://schemas.microsoft.com/office/drawing/2014/main" id="{66C18E8C-0AA9-C452-9B56-F41D43C5995C}"/>
               </a:ext>
             </a:extLst>
           </p:cNvPr>
@@ -3966,15 +4289,96 @@
             <p:ph type="title"/>
           </p:nvPr>
         </p:nvSpPr>
-        <p:spPr/>
-        <p:txBody>
-          <a:bodyPr/>
-          <a:lstStyle/>
-          <a:p>
-            <a:r>
-              <a:rPr lang="en-US" dirty="0"/>
-              <a:t>Estimators</a:t>
-            </a:r>
+        <p:spPr>
+          <a:xfrm>
+            <a:off x="1451580" y="804520"/>
+            <a:ext cx="4176511" cy="1049235"/>
+          </a:xfrm>
+        </p:spPr>
+        <p:txBody>
+          <a:bodyPr>
+            <a:normAutofit/>
+          </a:bodyPr>
+          <a:lstStyle/>
+          <a:p>
+            <a:r>
+              <a:rPr lang="en-US" dirty="0"/>
+              <a:t>Think Intuitively…</a:t>
+            </a:r>
+          </a:p>
+        </p:txBody>
+      </p:sp>
+      <p:sp>
+        <p:nvSpPr>
+          <p:cNvPr id="1035" name="Rectangle 1034">
+            <a:extLst>
+              <a:ext uri="{FF2B5EF4-FFF2-40B4-BE49-F238E27FC236}">
+                <a16:creationId xmlns:a16="http://schemas.microsoft.com/office/drawing/2014/main" id="{EF2A81E1-BCBE-426B-8C09-33274E69409D}"/>
+              </a:ext>
+              <a:ext uri="{C183D7F6-B498-43B3-948B-1728B52AA6E4}">
+                <adec:decorative xmlns:adec="http://schemas.microsoft.com/office/drawing/2017/decorative" val="1"/>
+              </a:ext>
+            </a:extLst>
+          </p:cNvPr>
+          <p:cNvSpPr>
+            <a:spLocks noGrp="1" noRot="1" noChangeAspect="1" noMove="1" noResize="1" noEditPoints="1" noAdjustHandles="1" noChangeArrowheads="1" noChangeShapeType="1" noTextEdit="1"/>
+          </p:cNvSpPr>
+          <p:nvPr>
+            <p:extLst>
+              <p:ext uri="{386F3935-93C4-4BCD-93E2-E3B085C9AB24}">
+                <p16:designElem xmlns:p16="http://schemas.microsoft.com/office/powerpoint/2015/main" val="1"/>
+              </p:ext>
+            </p:extLst>
+          </p:nvPr>
+        </p:nvSpPr>
+        <p:spPr>
+          <a:xfrm>
+            <a:off x="0" y="2019476"/>
+            <a:ext cx="12192000" cy="4105941"/>
+          </a:xfrm>
+          <a:prstGeom prst="rect">
+            <a:avLst/>
+          </a:prstGeom>
+          <a:gradFill flip="none" rotWithShape="1">
+            <a:gsLst>
+              <a:gs pos="0">
+                <a:schemeClr val="bg2">
+                  <a:alpha val="0"/>
+                </a:schemeClr>
+              </a:gs>
+              <a:gs pos="100000">
+                <a:schemeClr val="bg2"/>
+              </a:gs>
+            </a:gsLst>
+            <a:lin ang="5400000" scaled="0"/>
+            <a:tileRect/>
+          </a:gradFill>
+          <a:ln>
+            <a:noFill/>
+          </a:ln>
+        </p:spPr>
+        <p:style>
+          <a:lnRef idx="2">
+            <a:schemeClr val="accent1">
+              <a:shade val="50000"/>
+            </a:schemeClr>
+          </a:lnRef>
+          <a:fillRef idx="1">
+            <a:schemeClr val="accent1"/>
+          </a:fillRef>
+          <a:effectRef idx="0">
+            <a:schemeClr val="accent1"/>
+          </a:effectRef>
+          <a:fontRef idx="minor">
+            <a:schemeClr val="lt1"/>
+          </a:fontRef>
+        </p:style>
+        <p:txBody>
+          <a:bodyPr rtlCol="0" anchor="ctr"/>
+          <a:lstStyle/>
+          <a:p>
+            <a:pPr lvl="0" algn="ctr"/>
+            <a:endParaRPr lang="en-US"/>
           </a:p>
         </p:txBody>
       </p:sp>
@@ -3983,7 +4387,7 @@
           <p:cNvPr id="3" name="Content Placeholder 2">
             <a:extLst>
               <a:ext uri="{FF2B5EF4-FFF2-40B4-BE49-F238E27FC236}">
-                <a16:creationId xmlns:a16="http://schemas.microsoft.com/office/drawing/2014/main" id="{8099297A-60F8-D213-DA79-218C928CEC26}"/>
+                <a16:creationId xmlns:a16="http://schemas.microsoft.com/office/drawing/2014/main" id="{C8E0018B-B9AC-A8E0-C0A3-BD1C9E109BBB}"/>
               </a:ext>
             </a:extLst>
           </p:cNvPr>
@@ -3994,19 +4398,227 @@
             <p:ph idx="1"/>
           </p:nvPr>
         </p:nvSpPr>
-        <p:spPr/>
-        <p:txBody>
-          <a:bodyPr/>
-          <a:lstStyle/>
-          <a:p>
-            <a:endParaRPr lang="en-US"/>
-          </a:p>
-        </p:txBody>
-      </p:sp>
+        <p:spPr>
+          <a:xfrm>
+            <a:off x="1316182" y="2008046"/>
+            <a:ext cx="5112327" cy="4117370"/>
+          </a:xfrm>
+        </p:spPr>
+        <p:txBody>
+          <a:bodyPr>
+            <a:normAutofit/>
+          </a:bodyPr>
+          <a:lstStyle/>
+          <a:p>
+            <a:pPr>
+              <a:lnSpc>
+                <a:spcPct val="110000"/>
+              </a:lnSpc>
+            </a:pPr>
+            <a:r>
+              <a:rPr lang="en-US" sz="1500" dirty="0"/>
+              <a:t>If we are attempting to estimate the height of people:</a:t>
+            </a:r>
+          </a:p>
+          <a:p>
+            <a:pPr lvl="1">
+              <a:lnSpc>
+                <a:spcPct val="110000"/>
+              </a:lnSpc>
+            </a:pPr>
+            <a:r>
+              <a:rPr lang="en-US" sz="1500" dirty="0"/>
+              <a:t>If our sample is the full population, we can calculate it directly – 0 difference. </a:t>
+            </a:r>
+          </a:p>
+          <a:p>
+            <a:pPr lvl="1">
+              <a:lnSpc>
+                <a:spcPct val="110000"/>
+              </a:lnSpc>
+            </a:pPr>
+            <a:r>
+              <a:rPr lang="en-US" sz="1500" dirty="0"/>
+              <a:t>If our sample is just one person, that person could be any height – Danny DeVito or Yao Ming. </a:t>
+            </a:r>
+          </a:p>
+          <a:p>
+            <a:pPr lvl="1">
+              <a:lnSpc>
+                <a:spcPct val="110000"/>
+              </a:lnSpc>
+            </a:pPr>
+            <a:r>
+              <a:rPr lang="en-US" sz="1500" dirty="0"/>
+              <a:t>As the sample size grows, the randomness of getting a non-representative sample becomes less likely. </a:t>
+            </a:r>
+          </a:p>
+          <a:p>
+            <a:pPr>
+              <a:lnSpc>
+                <a:spcPct val="110000"/>
+              </a:lnSpc>
+            </a:pPr>
+            <a:r>
+              <a:rPr lang="en-US" sz="1800" dirty="0"/>
+              <a:t>The larger the sample size, the more reliably it matches the population, in general</a:t>
+            </a:r>
+            <a:r>
+              <a:rPr lang="en-US" sz="1800"/>
+              <a:t>. </a:t>
+            </a:r>
+            <a:endParaRPr lang="en-US" sz="1800" dirty="0"/>
+          </a:p>
+        </p:txBody>
+      </p:sp>
+      <p:pic>
+        <p:nvPicPr>
+          <p:cNvPr id="1026" name="Picture 2" descr="Twins would've been a better movie if they didn't cast such a hunk to play  the scumbag brother. : r/pics">
+            <a:extLst>
+              <a:ext uri="{FF2B5EF4-FFF2-40B4-BE49-F238E27FC236}">
+                <a16:creationId xmlns:a16="http://schemas.microsoft.com/office/drawing/2014/main" id="{875EA0BF-31CF-B70D-4687-3C8795FAE5CA}"/>
+              </a:ext>
+            </a:extLst>
+          </p:cNvPr>
+          <p:cNvPicPr>
+            <a:picLocks noChangeAspect="1" noChangeArrowheads="1"/>
+          </p:cNvPicPr>
+          <p:nvPr/>
+        </p:nvPicPr>
+        <p:blipFill>
+          <a:blip r:embed="rId2">
+            <a:extLst>
+              <a:ext uri="{28A0092B-C50C-407E-A947-70E740481C1C}">
+                <a14:useLocalDpi xmlns:a14="http://schemas.microsoft.com/office/drawing/2010/main" val="0"/>
+              </a:ext>
+            </a:extLst>
+          </a:blip>
+          <a:stretch>
+            <a:fillRect/>
+          </a:stretch>
+        </p:blipFill>
+        <p:spPr bwMode="auto">
+          <a:xfrm>
+            <a:off x="6978321" y="805583"/>
+            <a:ext cx="3192621" cy="4660762"/>
+          </a:xfrm>
+          <a:prstGeom prst="rect">
+            <a:avLst/>
+          </a:prstGeom>
+          <a:noFill/>
+          <a:extLst>
+            <a:ext uri="{909E8E84-426E-40DD-AFC4-6F175D3DCCD1}">
+              <a14:hiddenFill xmlns:a14="http://schemas.microsoft.com/office/drawing/2010/main">
+                <a:solidFill>
+                  <a:srgbClr val="FFFFFF"/>
+                </a:solidFill>
+              </a14:hiddenFill>
+            </a:ext>
+          </a:extLst>
+        </p:spPr>
+      </p:pic>
+      <p:pic>
+        <p:nvPicPr>
+          <p:cNvPr id="1037" name="Picture 1036">
+            <a:extLst>
+              <a:ext uri="{FF2B5EF4-FFF2-40B4-BE49-F238E27FC236}">
+                <a16:creationId xmlns:a16="http://schemas.microsoft.com/office/drawing/2014/main" id="{39D1DDD4-5BB3-45BA-B9B3-06B62299AD79}"/>
+              </a:ext>
+              <a:ext uri="{C183D7F6-B498-43B3-948B-1728B52AA6E4}">
+                <adec:decorative xmlns:adec="http://schemas.microsoft.com/office/drawing/2017/decorative" val="1"/>
+              </a:ext>
+            </a:extLst>
+          </p:cNvPr>
+          <p:cNvPicPr>
+            <a:picLocks noGrp="1" noRot="1" noChangeAspect="1" noMove="1" noResize="1" noEditPoints="1" noAdjustHandles="1" noChangeArrowheads="1" noChangeShapeType="1" noCrop="1"/>
+          </p:cNvPicPr>
+          <p:nvPr>
+            <p:extLst>
+              <p:ext uri="{386F3935-93C4-4BCD-93E2-E3B085C9AB24}">
+                <p16:designElem xmlns:p16="http://schemas.microsoft.com/office/powerpoint/2015/main" val="1"/>
+              </p:ext>
+            </p:extLst>
+          </p:nvPr>
+        </p:nvPicPr>
+        <p:blipFill rotWithShape="1">
+          <a:blip r:embed="rId3">
+            <a:extLst>
+              <a:ext uri="{28A0092B-C50C-407E-A947-70E740481C1C}">
+                <a14:useLocalDpi xmlns:a14="http://schemas.microsoft.com/office/drawing/2010/main" val="0"/>
+              </a:ext>
+            </a:extLst>
+          </a:blip>
+          <a:srcRect t="1538" b="-1538"/>
+          <a:stretch/>
+        </p:blipFill>
+        <p:spPr bwMode="black">
+          <a:xfrm>
+            <a:off x="0" y="6126480"/>
+            <a:ext cx="12192000" cy="742950"/>
+          </a:xfrm>
+          <a:prstGeom prst="rect">
+            <a:avLst/>
+          </a:prstGeom>
+        </p:spPr>
+      </p:pic>
+      <p:cxnSp>
+        <p:nvCxnSpPr>
+          <p:cNvPr id="1039" name="Straight Connector 1038">
+            <a:extLst>
+              <a:ext uri="{FF2B5EF4-FFF2-40B4-BE49-F238E27FC236}">
+                <a16:creationId xmlns:a16="http://schemas.microsoft.com/office/drawing/2014/main" id="{A24DAE64-2302-42EA-8239-F2F0775CA5AD}"/>
+              </a:ext>
+              <a:ext uri="{C183D7F6-B498-43B3-948B-1728B52AA6E4}">
+                <adec:decorative xmlns:adec="http://schemas.microsoft.com/office/drawing/2017/decorative" val="1"/>
+              </a:ext>
+            </a:extLst>
+          </p:cNvPr>
+          <p:cNvCxnSpPr>
+            <a:cxnSpLocks noGrp="1" noRot="1" noChangeAspect="1" noMove="1" noResize="1" noEditPoints="1" noAdjustHandles="1" noChangeArrowheads="1" noChangeShapeType="1"/>
+          </p:cNvCxnSpPr>
+          <p:nvPr>
+            <p:extLst>
+              <p:ext uri="{386F3935-93C4-4BCD-93E2-E3B085C9AB24}">
+                <p16:designElem xmlns:p16="http://schemas.microsoft.com/office/powerpoint/2015/main" val="1"/>
+              </p:ext>
+            </p:extLst>
+          </p:nvPr>
+        </p:nvCxnSpPr>
+        <p:spPr>
+          <a:xfrm>
+            <a:off x="0" y="6128413"/>
+            <a:ext cx="12192000" cy="0"/>
+          </a:xfrm>
+          <a:prstGeom prst="line">
+            <a:avLst/>
+          </a:prstGeom>
+          <a:ln w="12700">
+            <a:solidFill>
+              <a:srgbClr val="000001">
+                <a:alpha val="20000"/>
+              </a:srgbClr>
+            </a:solidFill>
+          </a:ln>
+        </p:spPr>
+        <p:style>
+          <a:lnRef idx="1">
+            <a:schemeClr val="accent1"/>
+          </a:lnRef>
+          <a:fillRef idx="0">
+            <a:schemeClr val="accent1"/>
+          </a:fillRef>
+          <a:effectRef idx="0">
+            <a:schemeClr val="accent1"/>
+          </a:effectRef>
+          <a:fontRef idx="minor">
+            <a:schemeClr val="tx1"/>
+          </a:fontRef>
+        </p:style>
+      </p:cxnSp>
     </p:spTree>
     <p:extLst>
       <p:ext uri="{BB962C8B-B14F-4D97-AF65-F5344CB8AC3E}">
-        <p14:creationId xmlns:p14="http://schemas.microsoft.com/office/powerpoint/2010/main" val="2382552355"/>
+        <p14:creationId xmlns:p14="http://schemas.microsoft.com/office/powerpoint/2010/main" val="970493329"/>
       </p:ext>
     </p:extLst>
   </p:cSld>
@@ -4038,7 +4650,7 @@
           <p:cNvPr id="2" name="Title 1">
             <a:extLst>
               <a:ext uri="{FF2B5EF4-FFF2-40B4-BE49-F238E27FC236}">
-                <a16:creationId xmlns:a16="http://schemas.microsoft.com/office/drawing/2014/main" id="{520D80B7-4916-A592-E090-DF428874532D}"/>
+                <a16:creationId xmlns:a16="http://schemas.microsoft.com/office/drawing/2014/main" id="{5BBBCB09-330E-67CB-A7D1-AEAA682A7378}"/>
               </a:ext>
             </a:extLst>
           </p:cNvPr>
@@ -4056,7 +4668,7 @@
           <a:p>
             <a:r>
               <a:rPr lang="en-US" dirty="0"/>
-              <a:t>Trials</a:t>
+              <a:t>Error Types</a:t>
             </a:r>
           </a:p>
         </p:txBody>
@@ -4066,7 +4678,7 @@
           <p:cNvPr id="3" name="Content Placeholder 2">
             <a:extLst>
               <a:ext uri="{FF2B5EF4-FFF2-40B4-BE49-F238E27FC236}">
-                <a16:creationId xmlns:a16="http://schemas.microsoft.com/office/drawing/2014/main" id="{7C90C60B-00BE-4416-FDD0-956323852785}"/>
+                <a16:creationId xmlns:a16="http://schemas.microsoft.com/office/drawing/2014/main" id="{84DE798D-CC78-5128-6D64-8338981E6D7C}"/>
               </a:ext>
             </a:extLst>
           </p:cNvPr>
@@ -4077,25 +4689,89 @@
             <p:ph idx="1"/>
           </p:nvPr>
         </p:nvSpPr>
-        <p:spPr/>
-        <p:txBody>
-          <a:bodyPr/>
-          <a:lstStyle/>
-          <a:p>
-            <a:r>
-              <a:rPr lang="en-US" dirty="0"/>
-              <a:t>Once we have a matching distribution, we can make predictions via running trials. </a:t>
-            </a:r>
-          </a:p>
-          <a:p>
-            <a:endParaRPr lang="en-US" dirty="0"/>
+        <p:spPr>
+          <a:xfrm>
+            <a:off x="1451579" y="1853754"/>
+            <a:ext cx="9603275" cy="4199727"/>
+          </a:xfrm>
+        </p:spPr>
+        <p:txBody>
+          <a:bodyPr>
+            <a:normAutofit fontScale="92500" lnSpcReduction="10000"/>
+          </a:bodyPr>
+          <a:lstStyle/>
+          <a:p>
+            <a:r>
+              <a:rPr lang="en-US" dirty="0"/>
+              <a:t>Sampling error:</a:t>
+            </a:r>
+          </a:p>
+          <a:p>
+            <a:pPr lvl="1"/>
+            <a:r>
+              <a:rPr lang="en-US" dirty="0"/>
+              <a:t>We are taking a sample of a population. It should be random and the stats for the sample should match the distribution, but there’s always some error. </a:t>
+            </a:r>
+          </a:p>
+          <a:p>
+            <a:pPr lvl="1"/>
+            <a:r>
+              <a:rPr lang="en-US" dirty="0"/>
+              <a:t>E.g. if you randomly sample heights, and you randomly get three 7ft people, that’s bad luck. </a:t>
+            </a:r>
+          </a:p>
+          <a:p>
+            <a:r>
+              <a:rPr lang="en-US" dirty="0"/>
+              <a:t>Sampling bias:</a:t>
+            </a:r>
+          </a:p>
+          <a:p>
+            <a:pPr lvl="1"/>
+            <a:r>
+              <a:rPr lang="en-US" dirty="0"/>
+              <a:t>Is the sample that we are taking representative of the population?</a:t>
+            </a:r>
+          </a:p>
+          <a:p>
+            <a:pPr lvl="1"/>
+            <a:r>
+              <a:rPr lang="en-US" dirty="0"/>
+              <a:t>Easiest to think of with polling – landlines may not represent the whole population. </a:t>
+            </a:r>
+          </a:p>
+          <a:p>
+            <a:r>
+              <a:rPr lang="en-US" dirty="0"/>
+              <a:t>Measurement error:</a:t>
+            </a:r>
+          </a:p>
+          <a:p>
+            <a:pPr lvl="1"/>
+            <a:r>
+              <a:rPr lang="en-US" dirty="0"/>
+              <a:t>How “off” is the actual measurement of the data? </a:t>
+            </a:r>
+          </a:p>
+          <a:p>
+            <a:pPr lvl="1"/>
+            <a:r>
+              <a:rPr lang="en-US" dirty="0"/>
+              <a:t>E.g. when measuring heights, a ruler has some error.</a:t>
+            </a:r>
+          </a:p>
+          <a:p>
+            <a:r>
+              <a:rPr lang="en-US" dirty="0"/>
+              <a:t>We can’t address the last two – they happen before we get the data. </a:t>
+            </a:r>
           </a:p>
         </p:txBody>
       </p:sp>
     </p:spTree>
     <p:extLst>
       <p:ext uri="{BB962C8B-B14F-4D97-AF65-F5344CB8AC3E}">
-        <p14:creationId xmlns:p14="http://schemas.microsoft.com/office/powerpoint/2010/main" val="671170779"/>
+        <p14:creationId xmlns:p14="http://schemas.microsoft.com/office/powerpoint/2010/main" val="1976797275"/>
       </p:ext>
     </p:extLst>
   </p:cSld>
@@ -4127,6 +4803,408 @@
           <p:cNvPr id="2" name="Title 1">
             <a:extLst>
               <a:ext uri="{FF2B5EF4-FFF2-40B4-BE49-F238E27FC236}">
+                <a16:creationId xmlns:a16="http://schemas.microsoft.com/office/drawing/2014/main" id="{5A95FECA-0DE7-E666-AB37-57E9018B6DFC}"/>
+              </a:ext>
+            </a:extLst>
+          </p:cNvPr>
+          <p:cNvSpPr>
+            <a:spLocks noGrp="1"/>
+          </p:cNvSpPr>
+          <p:nvPr>
+            <p:ph type="title"/>
+          </p:nvPr>
+        </p:nvSpPr>
+        <p:spPr/>
+        <p:txBody>
+          <a:bodyPr/>
+          <a:lstStyle/>
+          <a:p>
+            <a:r>
+              <a:rPr lang="en-US" dirty="0"/>
+              <a:t>Estimation</a:t>
+            </a:r>
+          </a:p>
+        </p:txBody>
+      </p:sp>
+      <p:sp>
+        <p:nvSpPr>
+          <p:cNvPr id="3" name="Content Placeholder 2">
+            <a:extLst>
+              <a:ext uri="{FF2B5EF4-FFF2-40B4-BE49-F238E27FC236}">
+                <a16:creationId xmlns:a16="http://schemas.microsoft.com/office/drawing/2014/main" id="{B215A6CA-60D9-2612-A200-6FAA0E9D7B6C}"/>
+              </a:ext>
+            </a:extLst>
+          </p:cNvPr>
+          <p:cNvSpPr>
+            <a:spLocks noGrp="1"/>
+          </p:cNvSpPr>
+          <p:nvPr>
+            <p:ph idx="1"/>
+          </p:nvPr>
+        </p:nvSpPr>
+        <p:spPr>
+          <a:xfrm>
+            <a:off x="1451579" y="2015732"/>
+            <a:ext cx="9603275" cy="4037749"/>
+          </a:xfrm>
+        </p:spPr>
+        <p:txBody>
+          <a:bodyPr>
+            <a:normAutofit/>
+          </a:bodyPr>
+          <a:lstStyle/>
+          <a:p>
+            <a:r>
+              <a:rPr lang="en-US" dirty="0"/>
+              <a:t>We can use a sample to draw inferences about the population as a whole:</a:t>
+            </a:r>
+          </a:p>
+          <a:p>
+            <a:pPr lvl="1"/>
+            <a:r>
+              <a:rPr lang="en-US" dirty="0"/>
+              <a:t>This is what statisticians do with a census or pollsters with polls (soon-</a:t>
+            </a:r>
+            <a:r>
+              <a:rPr lang="en-US" dirty="0" err="1"/>
+              <a:t>ish</a:t>
+            </a:r>
+            <a:r>
+              <a:rPr lang="en-US" dirty="0"/>
+              <a:t>). </a:t>
+            </a:r>
+          </a:p>
+          <a:p>
+            <a:pPr lvl="1"/>
+            <a:r>
+              <a:rPr lang="en-US" dirty="0"/>
+              <a:t>This is called inferential statistics – using stats to predict. ML grows from this. </a:t>
+            </a:r>
+          </a:p>
+          <a:p>
+            <a:pPr lvl="1"/>
+            <a:endParaRPr lang="en-US" dirty="0"/>
+          </a:p>
+          <a:p>
+            <a:r>
+              <a:rPr lang="en-US" dirty="0"/>
+              <a:t>The process is:</a:t>
+            </a:r>
+          </a:p>
+          <a:p>
+            <a:pPr lvl="1"/>
+            <a:r>
+              <a:rPr lang="en-US" dirty="0"/>
+              <a:t>Match our sample to an analytical distribution. </a:t>
+            </a:r>
+          </a:p>
+          <a:p>
+            <a:pPr lvl="1"/>
+            <a:r>
+              <a:rPr lang="en-US" dirty="0"/>
+              <a:t>Generate random values that fit that distribution. </a:t>
+            </a:r>
+          </a:p>
+          <a:p>
+            <a:pPr lvl="1"/>
+            <a:r>
+              <a:rPr lang="en-US" dirty="0"/>
+              <a:t>Use the aggregates of those trails along with error measures to draw inferences about the population. </a:t>
+            </a:r>
+          </a:p>
+        </p:txBody>
+      </p:sp>
+    </p:spTree>
+    <p:extLst>
+      <p:ext uri="{BB962C8B-B14F-4D97-AF65-F5344CB8AC3E}">
+        <p14:creationId xmlns:p14="http://schemas.microsoft.com/office/powerpoint/2010/main" val="896942143"/>
+      </p:ext>
+    </p:extLst>
+  </p:cSld>
+  <p:clrMapOvr>
+    <a:masterClrMapping/>
+  </p:clrMapOvr>
+</p:sld>
+</file>
+
+<file path=ppt/slides/slide7.xml><?xml version="1.0" encoding="utf-8"?>
+<p:sld xmlns:a="http://schemas.openxmlformats.org/drawingml/2006/main" xmlns:r="http://schemas.openxmlformats.org/officeDocument/2006/relationships" xmlns:p="http://schemas.openxmlformats.org/presentationml/2006/main">
+  <p:cSld>
+    <p:spTree>
+      <p:nvGrpSpPr>
+        <p:cNvPr id="1" name=""/>
+        <p:cNvGrpSpPr/>
+        <p:nvPr/>
+      </p:nvGrpSpPr>
+      <p:grpSpPr>
+        <a:xfrm>
+          <a:off x="0" y="0"/>
+          <a:ext cx="0" cy="0"/>
+          <a:chOff x="0" y="0"/>
+          <a:chExt cx="0" cy="0"/>
+        </a:xfrm>
+      </p:grpSpPr>
+      <p:sp>
+        <p:nvSpPr>
+          <p:cNvPr id="2" name="Title 1">
+            <a:extLst>
+              <a:ext uri="{FF2B5EF4-FFF2-40B4-BE49-F238E27FC236}">
+                <a16:creationId xmlns:a16="http://schemas.microsoft.com/office/drawing/2014/main" id="{500CB30F-8FC5-BA2F-DDAE-26A52B671961}"/>
+              </a:ext>
+            </a:extLst>
+          </p:cNvPr>
+          <p:cNvSpPr>
+            <a:spLocks noGrp="1"/>
+          </p:cNvSpPr>
+          <p:nvPr>
+            <p:ph type="title"/>
+          </p:nvPr>
+        </p:nvSpPr>
+        <p:spPr/>
+        <p:txBody>
+          <a:bodyPr/>
+          <a:lstStyle/>
+          <a:p>
+            <a:r>
+              <a:rPr lang="en-US" dirty="0"/>
+              <a:t>Estimators</a:t>
+            </a:r>
+          </a:p>
+        </p:txBody>
+      </p:sp>
+      <p:sp>
+        <p:nvSpPr>
+          <p:cNvPr id="3" name="Content Placeholder 2">
+            <a:extLst>
+              <a:ext uri="{FF2B5EF4-FFF2-40B4-BE49-F238E27FC236}">
+                <a16:creationId xmlns:a16="http://schemas.microsoft.com/office/drawing/2014/main" id="{8099297A-60F8-D213-DA79-218C928CEC26}"/>
+              </a:ext>
+            </a:extLst>
+          </p:cNvPr>
+          <p:cNvSpPr>
+            <a:spLocks noGrp="1"/>
+          </p:cNvSpPr>
+          <p:nvPr>
+            <p:ph idx="1"/>
+          </p:nvPr>
+        </p:nvSpPr>
+        <p:spPr>
+          <a:xfrm>
+            <a:off x="1451579" y="2015732"/>
+            <a:ext cx="9603275" cy="4037749"/>
+          </a:xfrm>
+        </p:spPr>
+        <p:txBody>
+          <a:bodyPr/>
+          <a:lstStyle/>
+          <a:p>
+            <a:r>
+              <a:rPr lang="en-US" dirty="0"/>
+              <a:t>Estimators are a bigger thing in math-y stats than data analytics-y stats. </a:t>
+            </a:r>
+          </a:p>
+          <a:p>
+            <a:r>
+              <a:rPr lang="en-US" dirty="0"/>
+              <a:t>The estimator is basically the thing we use from the sample to estimate the population. </a:t>
+            </a:r>
+          </a:p>
+          <a:p>
+            <a:r>
+              <a:rPr lang="en-US" dirty="0"/>
+              <a:t>For normal distribution type of things, it’ll be the mean. </a:t>
+            </a:r>
+          </a:p>
+          <a:p>
+            <a:endParaRPr lang="en-US" dirty="0"/>
+          </a:p>
+          <a:p>
+            <a:r>
+              <a:rPr lang="en-US" dirty="0"/>
+              <a:t>In layman's terms, our estimators are what we use to create the analytical distributions from the empirical data. We want those to not introduce any error themselves. </a:t>
+            </a:r>
+          </a:p>
+          <a:p>
+            <a:pPr lvl="1"/>
+            <a:endParaRPr lang="en-US" dirty="0"/>
+          </a:p>
+        </p:txBody>
+      </p:sp>
+    </p:spTree>
+    <p:extLst>
+      <p:ext uri="{BB962C8B-B14F-4D97-AF65-F5344CB8AC3E}">
+        <p14:creationId xmlns:p14="http://schemas.microsoft.com/office/powerpoint/2010/main" val="2382552355"/>
+      </p:ext>
+    </p:extLst>
+  </p:cSld>
+  <p:clrMapOvr>
+    <a:masterClrMapping/>
+  </p:clrMapOvr>
+</p:sld>
+</file>
+
+<file path=ppt/slides/slide8.xml><?xml version="1.0" encoding="utf-8"?>
+<p:sld xmlns:a="http://schemas.openxmlformats.org/drawingml/2006/main" xmlns:r="http://schemas.openxmlformats.org/officeDocument/2006/relationships" xmlns:p="http://schemas.openxmlformats.org/presentationml/2006/main">
+  <p:cSld>
+    <p:spTree>
+      <p:nvGrpSpPr>
+        <p:cNvPr id="1" name=""/>
+        <p:cNvGrpSpPr/>
+        <p:nvPr/>
+      </p:nvGrpSpPr>
+      <p:grpSpPr>
+        <a:xfrm>
+          <a:off x="0" y="0"/>
+          <a:ext cx="0" cy="0"/>
+          <a:chOff x="0" y="0"/>
+          <a:chExt cx="0" cy="0"/>
+        </a:xfrm>
+      </p:grpSpPr>
+      <p:sp>
+        <p:nvSpPr>
+          <p:cNvPr id="2" name="Title 1">
+            <a:extLst>
+              <a:ext uri="{FF2B5EF4-FFF2-40B4-BE49-F238E27FC236}">
+                <a16:creationId xmlns:a16="http://schemas.microsoft.com/office/drawing/2014/main" id="{520D80B7-4916-A592-E090-DF428874532D}"/>
+              </a:ext>
+            </a:extLst>
+          </p:cNvPr>
+          <p:cNvSpPr>
+            <a:spLocks noGrp="1"/>
+          </p:cNvSpPr>
+          <p:nvPr>
+            <p:ph type="title"/>
+          </p:nvPr>
+        </p:nvSpPr>
+        <p:spPr/>
+        <p:txBody>
+          <a:bodyPr/>
+          <a:lstStyle/>
+          <a:p>
+            <a:r>
+              <a:rPr lang="en-US" dirty="0"/>
+              <a:t>Trials</a:t>
+            </a:r>
+          </a:p>
+        </p:txBody>
+      </p:sp>
+      <p:sp>
+        <p:nvSpPr>
+          <p:cNvPr id="3" name="Content Placeholder 2">
+            <a:extLst>
+              <a:ext uri="{FF2B5EF4-FFF2-40B4-BE49-F238E27FC236}">
+                <a16:creationId xmlns:a16="http://schemas.microsoft.com/office/drawing/2014/main" id="{7C90C60B-00BE-4416-FDD0-956323852785}"/>
+              </a:ext>
+            </a:extLst>
+          </p:cNvPr>
+          <p:cNvSpPr>
+            <a:spLocks noGrp="1"/>
+          </p:cNvSpPr>
+          <p:nvPr>
+            <p:ph idx="1"/>
+          </p:nvPr>
+        </p:nvSpPr>
+        <p:spPr>
+          <a:xfrm>
+            <a:off x="1451579" y="1853754"/>
+            <a:ext cx="9603275" cy="4335173"/>
+          </a:xfrm>
+        </p:spPr>
+        <p:txBody>
+          <a:bodyPr/>
+          <a:lstStyle/>
+          <a:p>
+            <a:r>
+              <a:rPr lang="en-US" dirty="0"/>
+              <a:t>Once we have a matching distribution, we can make predictions via running trials. </a:t>
+            </a:r>
+          </a:p>
+          <a:p>
+            <a:r>
+              <a:rPr lang="en-US" dirty="0"/>
+              <a:t>Each trial has a few steps:</a:t>
+            </a:r>
+          </a:p>
+          <a:p>
+            <a:pPr lvl="1"/>
+            <a:r>
+              <a:rPr lang="en-US" dirty="0"/>
+              <a:t>Create an analytical distribution from the estimator(s). </a:t>
+            </a:r>
+          </a:p>
+          <a:p>
+            <a:pPr lvl="1"/>
+            <a:r>
+              <a:rPr lang="en-US" dirty="0"/>
+              <a:t>Generate a bunch of values from that distribution. </a:t>
+            </a:r>
+          </a:p>
+          <a:p>
+            <a:pPr lvl="1"/>
+            <a:r>
+              <a:rPr lang="en-US" dirty="0"/>
+              <a:t>Calculate the (usually) mean of those generated values. </a:t>
+            </a:r>
+          </a:p>
+          <a:p>
+            <a:pPr lvl="1"/>
+            <a:r>
+              <a:rPr lang="en-US" dirty="0"/>
+              <a:t>Create a CDF of all of the means. </a:t>
+            </a:r>
+          </a:p>
+          <a:p>
+            <a:r>
+              <a:rPr lang="en-US" dirty="0"/>
+              <a:t>In effect, we are predicting what we expect the mean to be, based on the values from the empirical data, then making a distribution of those means. </a:t>
+            </a:r>
+          </a:p>
+          <a:p>
+            <a:r>
+              <a:rPr lang="en-US" dirty="0"/>
+              <a:t>Our estimate is the mean of those means – but how accurate is it…</a:t>
+            </a:r>
+          </a:p>
+          <a:p>
+            <a:endParaRPr lang="en-US" dirty="0"/>
+          </a:p>
+        </p:txBody>
+      </p:sp>
+    </p:spTree>
+    <p:extLst>
+      <p:ext uri="{BB962C8B-B14F-4D97-AF65-F5344CB8AC3E}">
+        <p14:creationId xmlns:p14="http://schemas.microsoft.com/office/powerpoint/2010/main" val="671170779"/>
+      </p:ext>
+    </p:extLst>
+  </p:cSld>
+  <p:clrMapOvr>
+    <a:masterClrMapping/>
+  </p:clrMapOvr>
+</p:sld>
+</file>
+
+<file path=ppt/slides/slide9.xml><?xml version="1.0" encoding="utf-8"?>
+<p:sld xmlns:a="http://schemas.openxmlformats.org/drawingml/2006/main" xmlns:r="http://schemas.openxmlformats.org/officeDocument/2006/relationships" xmlns:p="http://schemas.openxmlformats.org/presentationml/2006/main">
+  <p:cSld>
+    <p:spTree>
+      <p:nvGrpSpPr>
+        <p:cNvPr id="1" name=""/>
+        <p:cNvGrpSpPr/>
+        <p:nvPr/>
+      </p:nvGrpSpPr>
+      <p:grpSpPr>
+        <a:xfrm>
+          <a:off x="0" y="0"/>
+          <a:ext cx="0" cy="0"/>
+          <a:chOff x="0" y="0"/>
+          <a:chExt cx="0" cy="0"/>
+        </a:xfrm>
+      </p:grpSpPr>
+      <p:sp>
+        <p:nvSpPr>
+          <p:cNvPr id="2" name="Title 1">
+            <a:extLst>
+              <a:ext uri="{FF2B5EF4-FFF2-40B4-BE49-F238E27FC236}">
                 <a16:creationId xmlns:a16="http://schemas.microsoft.com/office/drawing/2014/main" id="{9896FBC0-75DD-15F9-AD6A-66963F21B71B}"/>
               </a:ext>
             </a:extLst>
@@ -4144,7 +5222,7 @@
           <a:lstStyle/>
           <a:p>
             <a:r>
-              <a:rPr lang="en-US"/>
+              <a:rPr lang="en-US" dirty="0"/>
               <a:t>Confidence Intervals </a:t>
             </a:r>
           </a:p>
@@ -4168,10 +5246,61 @@
         </p:nvSpPr>
         <p:spPr/>
         <p:txBody>
-          <a:bodyPr/>
-          <a:lstStyle/>
-          <a:p>
-            <a:endParaRPr lang="en-US"/>
+          <a:bodyPr>
+            <a:normAutofit fontScale="92500" lnSpcReduction="10000"/>
+          </a:bodyPr>
+          <a:lstStyle/>
+          <a:p>
+            <a:r>
+              <a:rPr lang="en-US" dirty="0"/>
+              <a:t>Confidence intervals are something that we can derive from our CDF. </a:t>
+            </a:r>
+          </a:p>
+          <a:p>
+            <a:pPr lvl="1"/>
+            <a:r>
+              <a:rPr lang="en-US" dirty="0"/>
+              <a:t>The CDF is a distribution of our predicted means. </a:t>
+            </a:r>
+          </a:p>
+          <a:p>
+            <a:pPr lvl="1"/>
+            <a:r>
+              <a:rPr lang="en-US" dirty="0"/>
+              <a:t>SE – Standard Error is the std of these means. </a:t>
+            </a:r>
+          </a:p>
+          <a:p>
+            <a:r>
+              <a:rPr lang="en-US" dirty="0"/>
+              <a:t>The CI is the range in which we can expect X% of values to fall:</a:t>
+            </a:r>
+          </a:p>
+          <a:p>
+            <a:pPr lvl="1"/>
+            <a:r>
+              <a:rPr lang="en-US" dirty="0"/>
+              <a:t>A 90% confidence interval means that 90% of the values fall between the two CI limits. </a:t>
+            </a:r>
+          </a:p>
+          <a:p>
+            <a:r>
+              <a:rPr lang="en-US" dirty="0"/>
+              <a:t>Alternative phrasing – “We are 90% confident that the value will lie within X amount of this value”. </a:t>
+            </a:r>
+          </a:p>
+          <a:p>
+            <a:pPr lvl="1"/>
+            <a:r>
+              <a:rPr lang="en-US" dirty="0"/>
+              <a:t>E.g. ”Poll is accurate to within +/- 2%, 19 times out of 20”.</a:t>
+            </a:r>
+          </a:p>
+          <a:p>
+            <a:r>
+              <a:rPr lang="en-US" dirty="0"/>
+              <a:t>Remember: those means that we generated in the trial are a distribution…</a:t>
+            </a:r>
           </a:p>
         </p:txBody>
       </p:sp>
